--- a/API & Web Services Testing Training Postman.pptx
+++ b/API & Web Services Testing Training Postman.pptx
@@ -15,6 +15,7 @@
     <p:sldId id="263" r:id="rId9"/>
     <p:sldId id="264" r:id="rId10"/>
     <p:sldId id="265" r:id="rId11"/>
+    <p:sldId id="266" r:id="rId12"/>
   </p:sldIdLst>
   <p:sldSz cx="9144000" cy="6858000" type="screen4x3"/>
   <p:notesSz cx="6858000" cy="9144000"/>
@@ -298,7 +299,7 @@
             <a:fld id="{DF78ACD2-924B-4D37-9A14-2703DA00D06A}" type="datetimeFigureOut">
               <a:rPr lang="en-IN" smtClean="0"/>
               <a:pPr/>
-              <a:t>06-04-2019</a:t>
+              <a:t>09-04-2019</a:t>
             </a:fld>
             <a:endParaRPr lang="en-IN"/>
           </a:p>
@@ -465,7 +466,7 @@
             <a:fld id="{DF78ACD2-924B-4D37-9A14-2703DA00D06A}" type="datetimeFigureOut">
               <a:rPr lang="en-IN" smtClean="0"/>
               <a:pPr/>
-              <a:t>06-04-2019</a:t>
+              <a:t>09-04-2019</a:t>
             </a:fld>
             <a:endParaRPr lang="en-IN"/>
           </a:p>
@@ -642,7 +643,7 @@
             <a:fld id="{DF78ACD2-924B-4D37-9A14-2703DA00D06A}" type="datetimeFigureOut">
               <a:rPr lang="en-IN" smtClean="0"/>
               <a:pPr/>
-              <a:t>06-04-2019</a:t>
+              <a:t>09-04-2019</a:t>
             </a:fld>
             <a:endParaRPr lang="en-IN"/>
           </a:p>
@@ -809,7 +810,7 @@
             <a:fld id="{DF78ACD2-924B-4D37-9A14-2703DA00D06A}" type="datetimeFigureOut">
               <a:rPr lang="en-IN" smtClean="0"/>
               <a:pPr/>
-              <a:t>06-04-2019</a:t>
+              <a:t>09-04-2019</a:t>
             </a:fld>
             <a:endParaRPr lang="en-IN"/>
           </a:p>
@@ -1052,7 +1053,7 @@
             <a:fld id="{DF78ACD2-924B-4D37-9A14-2703DA00D06A}" type="datetimeFigureOut">
               <a:rPr lang="en-IN" smtClean="0"/>
               <a:pPr/>
-              <a:t>06-04-2019</a:t>
+              <a:t>09-04-2019</a:t>
             </a:fld>
             <a:endParaRPr lang="en-IN"/>
           </a:p>
@@ -1337,7 +1338,7 @@
             <a:fld id="{DF78ACD2-924B-4D37-9A14-2703DA00D06A}" type="datetimeFigureOut">
               <a:rPr lang="en-IN" smtClean="0"/>
               <a:pPr/>
-              <a:t>06-04-2019</a:t>
+              <a:t>09-04-2019</a:t>
             </a:fld>
             <a:endParaRPr lang="en-IN"/>
           </a:p>
@@ -1756,7 +1757,7 @@
             <a:fld id="{DF78ACD2-924B-4D37-9A14-2703DA00D06A}" type="datetimeFigureOut">
               <a:rPr lang="en-IN" smtClean="0"/>
               <a:pPr/>
-              <a:t>06-04-2019</a:t>
+              <a:t>09-04-2019</a:t>
             </a:fld>
             <a:endParaRPr lang="en-IN"/>
           </a:p>
@@ -1871,7 +1872,7 @@
             <a:fld id="{DF78ACD2-924B-4D37-9A14-2703DA00D06A}" type="datetimeFigureOut">
               <a:rPr lang="en-IN" smtClean="0"/>
               <a:pPr/>
-              <a:t>06-04-2019</a:t>
+              <a:t>09-04-2019</a:t>
             </a:fld>
             <a:endParaRPr lang="en-IN"/>
           </a:p>
@@ -1963,7 +1964,7 @@
             <a:fld id="{DF78ACD2-924B-4D37-9A14-2703DA00D06A}" type="datetimeFigureOut">
               <a:rPr lang="en-IN" smtClean="0"/>
               <a:pPr/>
-              <a:t>06-04-2019</a:t>
+              <a:t>09-04-2019</a:t>
             </a:fld>
             <a:endParaRPr lang="en-IN"/>
           </a:p>
@@ -2237,7 +2238,7 @@
             <a:fld id="{DF78ACD2-924B-4D37-9A14-2703DA00D06A}" type="datetimeFigureOut">
               <a:rPr lang="en-IN" smtClean="0"/>
               <a:pPr/>
-              <a:t>06-04-2019</a:t>
+              <a:t>09-04-2019</a:t>
             </a:fld>
             <a:endParaRPr lang="en-IN"/>
           </a:p>
@@ -2487,7 +2488,7 @@
             <a:fld id="{DF78ACD2-924B-4D37-9A14-2703DA00D06A}" type="datetimeFigureOut">
               <a:rPr lang="en-IN" smtClean="0"/>
               <a:pPr/>
-              <a:t>06-04-2019</a:t>
+              <a:t>09-04-2019</a:t>
             </a:fld>
             <a:endParaRPr lang="en-IN"/>
           </a:p>
@@ -2697,7 +2698,7 @@
             <a:fld id="{DF78ACD2-924B-4D37-9A14-2703DA00D06A}" type="datetimeFigureOut">
               <a:rPr lang="en-IN" smtClean="0"/>
               <a:pPr/>
-              <a:t>06-04-2019</a:t>
+              <a:t>09-04-2019</a:t>
             </a:fld>
             <a:endParaRPr lang="en-IN"/>
           </a:p>
@@ -3181,11 +3182,7 @@
             </a:r>
             <a:r>
               <a:rPr lang="en-IN" b="1" i="1" dirty="0" smtClean="0"/>
-              <a:t>set of key-value </a:t>
-            </a:r>
-            <a:r>
-              <a:rPr lang="en-IN" b="1" i="1" dirty="0" smtClean="0"/>
-              <a:t>pairs</a:t>
+              <a:t>set of key-value pairs</a:t>
             </a:r>
           </a:p>
           <a:p>
@@ -3214,13 +3211,8 @@
           <a:p>
             <a:r>
               <a:rPr lang="en-US" dirty="0" smtClean="0"/>
-              <a:t>In case the local and global variable has the same name, the local variable takes precedence over global </a:t>
-            </a:r>
-            <a:r>
-              <a:rPr lang="en-US" smtClean="0"/>
-              <a:t>variable.</a:t>
-            </a:r>
-            <a:endParaRPr lang="en-US" dirty="0" smtClean="0"/>
+              <a:t>In case the local and global variable has the same name, the local variable takes precedence over global variable.</a:t>
+            </a:r>
           </a:p>
           <a:p>
             <a:r>
@@ -3249,6 +3241,236 @@
           </a:p>
           <a:p>
             <a:endParaRPr lang="en-IN" dirty="0"/>
+          </a:p>
+        </p:txBody>
+      </p:sp>
+    </p:spTree>
+  </p:cSld>
+  <p:clrMapOvr>
+    <a:masterClrMapping/>
+  </p:clrMapOvr>
+</p:sld>
+</file>
+
+<file path=ppt/slides/slide11.xml><?xml version="1.0" encoding="utf-8"?>
+<p:sld xmlns:a="http://schemas.openxmlformats.org/drawingml/2006/main" xmlns:r="http://schemas.openxmlformats.org/officeDocument/2006/relationships" xmlns:p="http://schemas.openxmlformats.org/presentationml/2006/main">
+  <p:cSld>
+    <p:spTree>
+      <p:nvGrpSpPr>
+        <p:cNvPr id="1" name=""/>
+        <p:cNvGrpSpPr/>
+        <p:nvPr/>
+      </p:nvGrpSpPr>
+      <p:grpSpPr>
+        <a:xfrm>
+          <a:off x="0" y="0"/>
+          <a:ext cx="0" cy="0"/>
+          <a:chOff x="0" y="0"/>
+          <a:chExt cx="0" cy="0"/>
+        </a:xfrm>
+      </p:grpSpPr>
+      <p:sp>
+        <p:nvSpPr>
+          <p:cNvPr id="2" name="Title 1"/>
+          <p:cNvSpPr>
+            <a:spLocks noGrp="1"/>
+          </p:cNvSpPr>
+          <p:nvPr>
+            <p:ph type="title"/>
+          </p:nvPr>
+        </p:nvSpPr>
+        <p:spPr/>
+        <p:txBody>
+          <a:bodyPr/>
+          <a:lstStyle/>
+          <a:p>
+            <a:r>
+              <a:rPr lang="en-US" dirty="0" smtClean="0"/>
+              <a:t>HTTP Status Codes &amp; Text</a:t>
+            </a:r>
+            <a:endParaRPr lang="en-IN" dirty="0"/>
+          </a:p>
+        </p:txBody>
+      </p:sp>
+      <p:sp>
+        <p:nvSpPr>
+          <p:cNvPr id="3" name="Content Placeholder 2"/>
+          <p:cNvSpPr>
+            <a:spLocks noGrp="1"/>
+          </p:cNvSpPr>
+          <p:nvPr>
+            <p:ph idx="1"/>
+          </p:nvPr>
+        </p:nvSpPr>
+        <p:spPr/>
+        <p:txBody>
+          <a:bodyPr>
+            <a:normAutofit fontScale="55000" lnSpcReduction="20000"/>
+          </a:bodyPr>
+          <a:lstStyle/>
+          <a:p>
+            <a:r>
+              <a:rPr lang="en-US" b="1" dirty="0" smtClean="0"/>
+              <a:t>200 OK </a:t>
+            </a:r>
+            <a:r>
+              <a:rPr lang="en-US" dirty="0" smtClean="0"/>
+              <a:t>– For successful API message</a:t>
+            </a:r>
+          </a:p>
+          <a:p>
+            <a:r>
+              <a:rPr lang="en-US" b="1" dirty="0" smtClean="0"/>
+              <a:t>201 Created </a:t>
+            </a:r>
+            <a:r>
+              <a:rPr lang="en-US" dirty="0" smtClean="0"/>
+              <a:t>– Mainly in POST requests for successful creation of a record</a:t>
+            </a:r>
+          </a:p>
+          <a:p>
+            <a:r>
+              <a:rPr lang="en-US" b="1" dirty="0" smtClean="0"/>
+              <a:t>204 No Content </a:t>
+            </a:r>
+            <a:r>
+              <a:rPr lang="en-US" dirty="0" smtClean="0"/>
+              <a:t>– When response is empty</a:t>
+            </a:r>
+          </a:p>
+          <a:p>
+            <a:r>
+              <a:rPr lang="en-US" b="1" dirty="0" smtClean="0"/>
+              <a:t>401 Unauthorized </a:t>
+            </a:r>
+            <a:r>
+              <a:rPr lang="en-US" dirty="0" smtClean="0"/>
+              <a:t>– Incorrect Authentication</a:t>
+            </a:r>
+          </a:p>
+          <a:p>
+            <a:r>
+              <a:rPr lang="en-US" b="1" dirty="0" smtClean="0"/>
+              <a:t>400 Bad Request </a:t>
+            </a:r>
+            <a:r>
+              <a:rPr lang="en-US" dirty="0" smtClean="0"/>
+              <a:t>– Incorrect message body or some mandatory parameter missing in request body</a:t>
+            </a:r>
+          </a:p>
+          <a:p>
+            <a:r>
+              <a:rPr lang="en-US" b="1" dirty="0" smtClean="0"/>
+              <a:t>404 Not Found </a:t>
+            </a:r>
+            <a:r>
+              <a:rPr lang="en-US" dirty="0" smtClean="0"/>
+              <a:t>– Incorrect URL or Resource not found</a:t>
+            </a:r>
+          </a:p>
+          <a:p>
+            <a:r>
+              <a:rPr lang="en-US" b="1" dirty="0" smtClean="0"/>
+              <a:t>500 Internal Server Error </a:t>
+            </a:r>
+            <a:r>
+              <a:rPr lang="en-US" dirty="0" smtClean="0"/>
+              <a:t>– Unhandled Exception in the code</a:t>
+            </a:r>
+          </a:p>
+          <a:p>
+            <a:pPr>
+              <a:buNone/>
+            </a:pPr>
+            <a:endParaRPr lang="en-US" dirty="0" smtClean="0"/>
+          </a:p>
+          <a:p>
+            <a:pPr>
+              <a:buNone/>
+            </a:pPr>
+            <a:r>
+              <a:rPr lang="en-US" dirty="0" smtClean="0"/>
+              <a:t>Complete list can be found at :</a:t>
+            </a:r>
+          </a:p>
+          <a:p>
+            <a:pPr>
+              <a:buNone/>
+            </a:pPr>
+            <a:r>
+              <a:rPr lang="en-IN" dirty="0" smtClean="0">
+                <a:hlinkClick r:id="rId2"/>
+              </a:rPr>
+              <a:t>https://</a:t>
+            </a:r>
+            <a:r>
+              <a:rPr lang="en-IN" dirty="0" smtClean="0">
+                <a:hlinkClick r:id="rId2"/>
+              </a:rPr>
+              <a:t>en.wikipedia.org/wiki/List_of_HTTP_status_codes</a:t>
+            </a:r>
+            <a:endParaRPr lang="en-IN" dirty="0" smtClean="0"/>
+          </a:p>
+          <a:p>
+            <a:pPr>
+              <a:buNone/>
+            </a:pPr>
+            <a:endParaRPr lang="en-US" dirty="0" smtClean="0"/>
+          </a:p>
+          <a:p>
+            <a:pPr>
+              <a:buNone/>
+            </a:pPr>
+            <a:r>
+              <a:rPr lang="en-US" dirty="0" smtClean="0"/>
+              <a:t>Please refer document HTTP Status Codes and Text.docx for </a:t>
+            </a:r>
+            <a:r>
+              <a:rPr lang="en-US" dirty="0" err="1" smtClean="0"/>
+              <a:t>screenprints</a:t>
+            </a:r>
+            <a:endParaRPr lang="en-US" dirty="0" smtClean="0"/>
+          </a:p>
+          <a:p>
+            <a:endParaRPr lang="en-US" smtClean="0"/>
+          </a:p>
+          <a:p>
+            <a:r>
+              <a:rPr lang="en-US" smtClean="0"/>
+              <a:t>GitHUb</a:t>
+            </a:r>
+            <a:r>
+              <a:rPr lang="en-US" dirty="0" smtClean="0"/>
+              <a:t> </a:t>
+            </a:r>
+            <a:r>
+              <a:rPr lang="en-US" dirty="0" smtClean="0"/>
+              <a:t>Location:</a:t>
+            </a:r>
+          </a:p>
+          <a:p>
+            <a:pPr>
+              <a:buNone/>
+            </a:pPr>
+            <a:r>
+              <a:rPr lang="en-IN" dirty="0" smtClean="0">
+                <a:hlinkClick r:id="rId3"/>
+              </a:rPr>
+              <a:t>https://github.com/pridell/PostmanDocs</a:t>
+            </a:r>
+            <a:endParaRPr lang="en-IN" dirty="0" smtClean="0"/>
+          </a:p>
+          <a:p>
+            <a:pPr>
+              <a:buNone/>
+            </a:pPr>
+            <a:endParaRPr lang="en-US" dirty="0" smtClean="0"/>
+          </a:p>
+          <a:p>
+            <a:pPr>
+              <a:buNone/>
+            </a:pPr>
+            <a:endParaRPr lang="en-US" dirty="0" smtClean="0"/>
           </a:p>
         </p:txBody>
       </p:sp>
@@ -4174,27 +4396,7 @@
           <a:p>
             <a:r>
               <a:rPr lang="en-US" dirty="0" smtClean="0"/>
-              <a:t>Please refer document </a:t>
-            </a:r>
-            <a:r>
-              <a:rPr lang="en-US" dirty="0" smtClean="0"/>
-              <a:t>PUT </a:t>
-            </a:r>
-            <a:r>
-              <a:rPr lang="en-US" dirty="0" smtClean="0"/>
-              <a:t>and </a:t>
-            </a:r>
-            <a:r>
-              <a:rPr lang="en-US" dirty="0" smtClean="0"/>
-              <a:t>DELETE </a:t>
-            </a:r>
-            <a:r>
-              <a:rPr lang="en-US" dirty="0" smtClean="0"/>
-              <a:t>Request.docx for screen prints</a:t>
-            </a:r>
-            <a:r>
-              <a:rPr lang="en-US" dirty="0" smtClean="0"/>
-              <a:t>.</a:t>
+              <a:t>Please refer document PUT and DELETE Request.docx for screen prints.</a:t>
             </a:r>
           </a:p>
           <a:p>

--- a/API & Web Services Testing Training Postman.pptx
+++ b/API & Web Services Testing Training Postman.pptx
@@ -16,6 +16,7 @@
     <p:sldId id="264" r:id="rId10"/>
     <p:sldId id="265" r:id="rId11"/>
     <p:sldId id="266" r:id="rId12"/>
+    <p:sldId id="267" r:id="rId13"/>
   </p:sldIdLst>
   <p:sldSz cx="9144000" cy="6858000" type="screen4x3"/>
   <p:notesSz cx="6858000" cy="9144000"/>
@@ -299,7 +300,7 @@
             <a:fld id="{DF78ACD2-924B-4D37-9A14-2703DA00D06A}" type="datetimeFigureOut">
               <a:rPr lang="en-IN" smtClean="0"/>
               <a:pPr/>
-              <a:t>09-04-2019</a:t>
+              <a:t>10-04-2019</a:t>
             </a:fld>
             <a:endParaRPr lang="en-IN"/>
           </a:p>
@@ -466,7 +467,7 @@
             <a:fld id="{DF78ACD2-924B-4D37-9A14-2703DA00D06A}" type="datetimeFigureOut">
               <a:rPr lang="en-IN" smtClean="0"/>
               <a:pPr/>
-              <a:t>09-04-2019</a:t>
+              <a:t>10-04-2019</a:t>
             </a:fld>
             <a:endParaRPr lang="en-IN"/>
           </a:p>
@@ -643,7 +644,7 @@
             <a:fld id="{DF78ACD2-924B-4D37-9A14-2703DA00D06A}" type="datetimeFigureOut">
               <a:rPr lang="en-IN" smtClean="0"/>
               <a:pPr/>
-              <a:t>09-04-2019</a:t>
+              <a:t>10-04-2019</a:t>
             </a:fld>
             <a:endParaRPr lang="en-IN"/>
           </a:p>
@@ -810,7 +811,7 @@
             <a:fld id="{DF78ACD2-924B-4D37-9A14-2703DA00D06A}" type="datetimeFigureOut">
               <a:rPr lang="en-IN" smtClean="0"/>
               <a:pPr/>
-              <a:t>09-04-2019</a:t>
+              <a:t>10-04-2019</a:t>
             </a:fld>
             <a:endParaRPr lang="en-IN"/>
           </a:p>
@@ -1053,7 +1054,7 @@
             <a:fld id="{DF78ACD2-924B-4D37-9A14-2703DA00D06A}" type="datetimeFigureOut">
               <a:rPr lang="en-IN" smtClean="0"/>
               <a:pPr/>
-              <a:t>09-04-2019</a:t>
+              <a:t>10-04-2019</a:t>
             </a:fld>
             <a:endParaRPr lang="en-IN"/>
           </a:p>
@@ -1338,7 +1339,7 @@
             <a:fld id="{DF78ACD2-924B-4D37-9A14-2703DA00D06A}" type="datetimeFigureOut">
               <a:rPr lang="en-IN" smtClean="0"/>
               <a:pPr/>
-              <a:t>09-04-2019</a:t>
+              <a:t>10-04-2019</a:t>
             </a:fld>
             <a:endParaRPr lang="en-IN"/>
           </a:p>
@@ -1757,7 +1758,7 @@
             <a:fld id="{DF78ACD2-924B-4D37-9A14-2703DA00D06A}" type="datetimeFigureOut">
               <a:rPr lang="en-IN" smtClean="0"/>
               <a:pPr/>
-              <a:t>09-04-2019</a:t>
+              <a:t>10-04-2019</a:t>
             </a:fld>
             <a:endParaRPr lang="en-IN"/>
           </a:p>
@@ -1872,7 +1873,7 @@
             <a:fld id="{DF78ACD2-924B-4D37-9A14-2703DA00D06A}" type="datetimeFigureOut">
               <a:rPr lang="en-IN" smtClean="0"/>
               <a:pPr/>
-              <a:t>09-04-2019</a:t>
+              <a:t>10-04-2019</a:t>
             </a:fld>
             <a:endParaRPr lang="en-IN"/>
           </a:p>
@@ -1964,7 +1965,7 @@
             <a:fld id="{DF78ACD2-924B-4D37-9A14-2703DA00D06A}" type="datetimeFigureOut">
               <a:rPr lang="en-IN" smtClean="0"/>
               <a:pPr/>
-              <a:t>09-04-2019</a:t>
+              <a:t>10-04-2019</a:t>
             </a:fld>
             <a:endParaRPr lang="en-IN"/>
           </a:p>
@@ -2238,7 +2239,7 @@
             <a:fld id="{DF78ACD2-924B-4D37-9A14-2703DA00D06A}" type="datetimeFigureOut">
               <a:rPr lang="en-IN" smtClean="0"/>
               <a:pPr/>
-              <a:t>09-04-2019</a:t>
+              <a:t>10-04-2019</a:t>
             </a:fld>
             <a:endParaRPr lang="en-IN"/>
           </a:p>
@@ -2488,7 +2489,7 @@
             <a:fld id="{DF78ACD2-924B-4D37-9A14-2703DA00D06A}" type="datetimeFigureOut">
               <a:rPr lang="en-IN" smtClean="0"/>
               <a:pPr/>
-              <a:t>09-04-2019</a:t>
+              <a:t>10-04-2019</a:t>
             </a:fld>
             <a:endParaRPr lang="en-IN"/>
           </a:p>
@@ -2698,7 +2699,7 @@
             <a:fld id="{DF78ACD2-924B-4D37-9A14-2703DA00D06A}" type="datetimeFigureOut">
               <a:rPr lang="en-IN" smtClean="0"/>
               <a:pPr/>
-              <a:t>09-04-2019</a:t>
+              <a:t>10-04-2019</a:t>
             </a:fld>
             <a:endParaRPr lang="en-IN"/>
           </a:p>
@@ -3401,13 +3402,7 @@
               <a:rPr lang="en-IN" dirty="0" smtClean="0">
                 <a:hlinkClick r:id="rId2"/>
               </a:rPr>
-              <a:t>https://</a:t>
-            </a:r>
-            <a:r>
-              <a:rPr lang="en-IN" dirty="0" smtClean="0">
-                <a:hlinkClick r:id="rId2"/>
-              </a:rPr>
-              <a:t>en.wikipedia.org/wiki/List_of_HTTP_status_codes</a:t>
+              <a:t>https://en.wikipedia.org/wiki/List_of_HTTP_status_codes</a:t>
             </a:r>
             <a:endParaRPr lang="en-IN" dirty="0" smtClean="0"/>
           </a:p>
@@ -3441,11 +3436,7 @@
             </a:r>
             <a:r>
               <a:rPr lang="en-US" dirty="0" smtClean="0"/>
-              <a:t> </a:t>
-            </a:r>
-            <a:r>
-              <a:rPr lang="en-US" dirty="0" smtClean="0"/>
-              <a:t>Location:</a:t>
+              <a:t> Location:</a:t>
             </a:r>
           </a:p>
           <a:p>
@@ -3471,6 +3462,186 @@
               <a:buNone/>
             </a:pPr>
             <a:endParaRPr lang="en-US" dirty="0" smtClean="0"/>
+          </a:p>
+        </p:txBody>
+      </p:sp>
+    </p:spTree>
+  </p:cSld>
+  <p:clrMapOvr>
+    <a:masterClrMapping/>
+  </p:clrMapOvr>
+</p:sld>
+</file>
+
+<file path=ppt/slides/slide12.xml><?xml version="1.0" encoding="utf-8"?>
+<p:sld xmlns:a="http://schemas.openxmlformats.org/drawingml/2006/main" xmlns:r="http://schemas.openxmlformats.org/officeDocument/2006/relationships" xmlns:p="http://schemas.openxmlformats.org/presentationml/2006/main">
+  <p:cSld>
+    <p:spTree>
+      <p:nvGrpSpPr>
+        <p:cNvPr id="1" name=""/>
+        <p:cNvGrpSpPr/>
+        <p:nvPr/>
+      </p:nvGrpSpPr>
+      <p:grpSpPr>
+        <a:xfrm>
+          <a:off x="0" y="0"/>
+          <a:ext cx="0" cy="0"/>
+          <a:chOff x="0" y="0"/>
+          <a:chExt cx="0" cy="0"/>
+        </a:xfrm>
+      </p:grpSpPr>
+      <p:sp>
+        <p:nvSpPr>
+          <p:cNvPr id="2" name="Title 1"/>
+          <p:cNvSpPr>
+            <a:spLocks noGrp="1"/>
+          </p:cNvSpPr>
+          <p:nvPr>
+            <p:ph type="title"/>
+          </p:nvPr>
+        </p:nvSpPr>
+        <p:spPr/>
+        <p:txBody>
+          <a:bodyPr/>
+          <a:lstStyle/>
+          <a:p>
+            <a:r>
+              <a:rPr lang="en-US" dirty="0" smtClean="0"/>
+              <a:t>Parameters in Postman</a:t>
+            </a:r>
+            <a:endParaRPr lang="en-IN" dirty="0"/>
+          </a:p>
+        </p:txBody>
+      </p:sp>
+      <p:sp>
+        <p:nvSpPr>
+          <p:cNvPr id="3" name="Content Placeholder 2"/>
+          <p:cNvSpPr>
+            <a:spLocks noGrp="1"/>
+          </p:cNvSpPr>
+          <p:nvPr>
+            <p:ph idx="1"/>
+          </p:nvPr>
+        </p:nvSpPr>
+        <p:spPr/>
+        <p:txBody>
+          <a:bodyPr>
+            <a:normAutofit fontScale="85000" lnSpcReduction="10000"/>
+          </a:bodyPr>
+          <a:lstStyle/>
+          <a:p>
+            <a:r>
+              <a:rPr lang="en-US" b="1" dirty="0" smtClean="0"/>
+              <a:t>Query Parameter </a:t>
+            </a:r>
+            <a:r>
+              <a:rPr lang="en-US" dirty="0" smtClean="0"/>
+              <a:t>- </a:t>
+            </a:r>
+            <a:r>
+              <a:rPr lang="en-IN" sz="2400" dirty="0" smtClean="0"/>
+              <a:t>QUERY parameters appear in the URL after the </a:t>
+            </a:r>
+            <a:r>
+              <a:rPr lang="en-IN" sz="2400" dirty="0" smtClean="0"/>
+              <a:t>question </a:t>
+            </a:r>
+            <a:r>
+              <a:rPr lang="en-IN" sz="2400" dirty="0" smtClean="0"/>
+              <a:t>mark (?) after the resource </a:t>
+            </a:r>
+            <a:r>
+              <a:rPr lang="en-IN" sz="2400" dirty="0" smtClean="0"/>
+              <a:t>name</a:t>
+            </a:r>
+          </a:p>
+          <a:p>
+            <a:endParaRPr lang="en-US" sz="2400" dirty="0" smtClean="0"/>
+          </a:p>
+          <a:p>
+            <a:r>
+              <a:rPr lang="en-US" b="1" dirty="0" smtClean="0"/>
+              <a:t>Template Parameter </a:t>
+            </a:r>
+            <a:r>
+              <a:rPr lang="en-US" sz="2400" dirty="0" smtClean="0"/>
+              <a:t>- </a:t>
+            </a:r>
+            <a:r>
+              <a:rPr lang="en-IN" sz="2400" dirty="0" smtClean="0"/>
+              <a:t>These parameters appear in resource </a:t>
+            </a:r>
+            <a:r>
+              <a:rPr lang="en-IN" sz="2400" dirty="0" smtClean="0"/>
+              <a:t>paths before ‘?’ in URL</a:t>
+            </a:r>
+          </a:p>
+          <a:p>
+            <a:endParaRPr lang="en-US" sz="2400" dirty="0" smtClean="0"/>
+          </a:p>
+          <a:p>
+            <a:r>
+              <a:rPr lang="en-US" b="1" dirty="0" smtClean="0"/>
+              <a:t>Matrix Parameter </a:t>
+            </a:r>
+            <a:r>
+              <a:rPr lang="en-US" sz="2400" dirty="0" smtClean="0"/>
+              <a:t>- </a:t>
+            </a:r>
+            <a:r>
+              <a:rPr lang="en-IN" sz="2400" dirty="0" smtClean="0"/>
+              <a:t>These parameters also go in the request URL. They reside between the resource path and QUERY parameters, and are separated from the resource path by a semicolon </a:t>
+            </a:r>
+            <a:r>
+              <a:rPr lang="en-IN" sz="2400" dirty="0" smtClean="0"/>
+              <a:t>(;)</a:t>
+            </a:r>
+          </a:p>
+          <a:p>
+            <a:endParaRPr lang="en-US" sz="2400" dirty="0" smtClean="0"/>
+          </a:p>
+          <a:p>
+            <a:pPr>
+              <a:buNone/>
+            </a:pPr>
+            <a:r>
+              <a:rPr lang="en-US" sz="2400" dirty="0" smtClean="0"/>
+              <a:t>Please refer document Parameters in Postman.docx for screen prints</a:t>
+            </a:r>
+          </a:p>
+          <a:p>
+            <a:r>
+              <a:rPr lang="en-US" sz="2400" dirty="0" err="1" smtClean="0"/>
+              <a:t>GitHUb</a:t>
+            </a:r>
+            <a:r>
+              <a:rPr lang="en-US" sz="2400" dirty="0" smtClean="0"/>
+              <a:t> Location:</a:t>
+            </a:r>
+          </a:p>
+          <a:p>
+            <a:pPr>
+              <a:buNone/>
+            </a:pPr>
+            <a:r>
+              <a:rPr lang="en-IN" sz="2400" smtClean="0">
+                <a:hlinkClick r:id="rId2"/>
+              </a:rPr>
+              <a:t>https://github.com/pridell/PostmanDocs</a:t>
+            </a:r>
+            <a:endParaRPr lang="en-IN" sz="2400" smtClean="0"/>
+          </a:p>
+          <a:p>
+            <a:pPr>
+              <a:buNone/>
+            </a:pPr>
+            <a:endParaRPr lang="en-US" sz="2400" dirty="0" smtClean="0"/>
+          </a:p>
+          <a:p>
+            <a:pPr>
+              <a:buNone/>
+            </a:pPr>
+            <a:endParaRPr lang="en-IN" sz="2400" dirty="0"/>
           </a:p>
         </p:txBody>
       </p:sp>

--- a/API & Web Services Testing Training Postman.pptx
+++ b/API & Web Services Testing Training Postman.pptx
@@ -17,6 +17,9 @@
     <p:sldId id="265" r:id="rId11"/>
     <p:sldId id="266" r:id="rId12"/>
     <p:sldId id="267" r:id="rId13"/>
+    <p:sldId id="268" r:id="rId14"/>
+    <p:sldId id="269" r:id="rId15"/>
+    <p:sldId id="270" r:id="rId16"/>
   </p:sldIdLst>
   <p:sldSz cx="9144000" cy="6858000" type="screen4x3"/>
   <p:notesSz cx="6858000" cy="9144000"/>
@@ -300,7 +303,7 @@
             <a:fld id="{DF78ACD2-924B-4D37-9A14-2703DA00D06A}" type="datetimeFigureOut">
               <a:rPr lang="en-IN" smtClean="0"/>
               <a:pPr/>
-              <a:t>10-04-2019</a:t>
+              <a:t>26-04-2019</a:t>
             </a:fld>
             <a:endParaRPr lang="en-IN"/>
           </a:p>
@@ -467,7 +470,7 @@
             <a:fld id="{DF78ACD2-924B-4D37-9A14-2703DA00D06A}" type="datetimeFigureOut">
               <a:rPr lang="en-IN" smtClean="0"/>
               <a:pPr/>
-              <a:t>10-04-2019</a:t>
+              <a:t>26-04-2019</a:t>
             </a:fld>
             <a:endParaRPr lang="en-IN"/>
           </a:p>
@@ -644,7 +647,7 @@
             <a:fld id="{DF78ACD2-924B-4D37-9A14-2703DA00D06A}" type="datetimeFigureOut">
               <a:rPr lang="en-IN" smtClean="0"/>
               <a:pPr/>
-              <a:t>10-04-2019</a:t>
+              <a:t>26-04-2019</a:t>
             </a:fld>
             <a:endParaRPr lang="en-IN"/>
           </a:p>
@@ -811,7 +814,7 @@
             <a:fld id="{DF78ACD2-924B-4D37-9A14-2703DA00D06A}" type="datetimeFigureOut">
               <a:rPr lang="en-IN" smtClean="0"/>
               <a:pPr/>
-              <a:t>10-04-2019</a:t>
+              <a:t>26-04-2019</a:t>
             </a:fld>
             <a:endParaRPr lang="en-IN"/>
           </a:p>
@@ -1054,7 +1057,7 @@
             <a:fld id="{DF78ACD2-924B-4D37-9A14-2703DA00D06A}" type="datetimeFigureOut">
               <a:rPr lang="en-IN" smtClean="0"/>
               <a:pPr/>
-              <a:t>10-04-2019</a:t>
+              <a:t>26-04-2019</a:t>
             </a:fld>
             <a:endParaRPr lang="en-IN"/>
           </a:p>
@@ -1339,7 +1342,7 @@
             <a:fld id="{DF78ACD2-924B-4D37-9A14-2703DA00D06A}" type="datetimeFigureOut">
               <a:rPr lang="en-IN" smtClean="0"/>
               <a:pPr/>
-              <a:t>10-04-2019</a:t>
+              <a:t>26-04-2019</a:t>
             </a:fld>
             <a:endParaRPr lang="en-IN"/>
           </a:p>
@@ -1758,7 +1761,7 @@
             <a:fld id="{DF78ACD2-924B-4D37-9A14-2703DA00D06A}" type="datetimeFigureOut">
               <a:rPr lang="en-IN" smtClean="0"/>
               <a:pPr/>
-              <a:t>10-04-2019</a:t>
+              <a:t>26-04-2019</a:t>
             </a:fld>
             <a:endParaRPr lang="en-IN"/>
           </a:p>
@@ -1873,7 +1876,7 @@
             <a:fld id="{DF78ACD2-924B-4D37-9A14-2703DA00D06A}" type="datetimeFigureOut">
               <a:rPr lang="en-IN" smtClean="0"/>
               <a:pPr/>
-              <a:t>10-04-2019</a:t>
+              <a:t>26-04-2019</a:t>
             </a:fld>
             <a:endParaRPr lang="en-IN"/>
           </a:p>
@@ -1965,7 +1968,7 @@
             <a:fld id="{DF78ACD2-924B-4D37-9A14-2703DA00D06A}" type="datetimeFigureOut">
               <a:rPr lang="en-IN" smtClean="0"/>
               <a:pPr/>
-              <a:t>10-04-2019</a:t>
+              <a:t>26-04-2019</a:t>
             </a:fld>
             <a:endParaRPr lang="en-IN"/>
           </a:p>
@@ -2239,7 +2242,7 @@
             <a:fld id="{DF78ACD2-924B-4D37-9A14-2703DA00D06A}" type="datetimeFigureOut">
               <a:rPr lang="en-IN" smtClean="0"/>
               <a:pPr/>
-              <a:t>10-04-2019</a:t>
+              <a:t>26-04-2019</a:t>
             </a:fld>
             <a:endParaRPr lang="en-IN"/>
           </a:p>
@@ -2489,7 +2492,7 @@
             <a:fld id="{DF78ACD2-924B-4D37-9A14-2703DA00D06A}" type="datetimeFigureOut">
               <a:rPr lang="en-IN" smtClean="0"/>
               <a:pPr/>
-              <a:t>10-04-2019</a:t>
+              <a:t>26-04-2019</a:t>
             </a:fld>
             <a:endParaRPr lang="en-IN"/>
           </a:p>
@@ -2699,7 +2702,7 @@
             <a:fld id="{DF78ACD2-924B-4D37-9A14-2703DA00D06A}" type="datetimeFigureOut">
               <a:rPr lang="en-IN" smtClean="0"/>
               <a:pPr/>
-              <a:t>10-04-2019</a:t>
+              <a:t>26-04-2019</a:t>
             </a:fld>
             <a:endParaRPr lang="en-IN"/>
           </a:p>
@@ -3526,7 +3529,7 @@
         <p:spPr/>
         <p:txBody>
           <a:bodyPr>
-            <a:normAutofit fontScale="85000" lnSpcReduction="10000"/>
+            <a:normAutofit fontScale="77500" lnSpcReduction="20000"/>
           </a:bodyPr>
           <a:lstStyle/>
           <a:p>
@@ -3540,19 +3543,7 @@
             </a:r>
             <a:r>
               <a:rPr lang="en-IN" sz="2400" dirty="0" smtClean="0"/>
-              <a:t>QUERY parameters appear in the URL after the </a:t>
-            </a:r>
-            <a:r>
-              <a:rPr lang="en-IN" sz="2400" dirty="0" smtClean="0"/>
-              <a:t>question </a:t>
-            </a:r>
-            <a:r>
-              <a:rPr lang="en-IN" sz="2400" dirty="0" smtClean="0"/>
-              <a:t>mark (?) after the resource </a:t>
-            </a:r>
-            <a:r>
-              <a:rPr lang="en-IN" sz="2400" dirty="0" smtClean="0"/>
-              <a:t>name</a:t>
+              <a:t>QUERY parameters appear in the URL after the question mark (?) after the resource name</a:t>
             </a:r>
           </a:p>
           <a:p>
@@ -3569,11 +3560,7 @@
             </a:r>
             <a:r>
               <a:rPr lang="en-IN" sz="2400" dirty="0" smtClean="0"/>
-              <a:t>These parameters appear in resource </a:t>
-            </a:r>
-            <a:r>
-              <a:rPr lang="en-IN" sz="2400" dirty="0" smtClean="0"/>
-              <a:t>paths before ‘?’ in URL</a:t>
+              <a:t>These parameters appear in resource paths before ‘?’ in URL</a:t>
             </a:r>
           </a:p>
           <a:p>
@@ -3590,12 +3577,17 @@
             </a:r>
             <a:r>
               <a:rPr lang="en-IN" sz="2400" dirty="0" smtClean="0"/>
-              <a:t>These parameters also go in the request URL. They reside between the resource path and QUERY parameters, and are separated from the resource path by a semicolon </a:t>
-            </a:r>
-            <a:r>
-              <a:rPr lang="en-IN" sz="2400" dirty="0" smtClean="0"/>
-              <a:t>(;)</a:t>
-            </a:r>
+              <a:t>These parameters also go in the request URL. They reside between the resource path and QUERY parameters, and are separated from the resource path by a semicolon (;)</a:t>
+            </a:r>
+          </a:p>
+          <a:p>
+            <a:endParaRPr lang="en-US" sz="2400" dirty="0" smtClean="0"/>
+          </a:p>
+          <a:p>
+            <a:pPr>
+              <a:buNone/>
+            </a:pPr>
+            <a:endParaRPr lang="en-US" sz="2400" dirty="0" smtClean="0"/>
           </a:p>
           <a:p>
             <a:endParaRPr lang="en-US" sz="2400" dirty="0" smtClean="0"/>
@@ -3624,12 +3616,12 @@
               <a:buNone/>
             </a:pPr>
             <a:r>
-              <a:rPr lang="en-IN" sz="2400" smtClean="0">
+              <a:rPr lang="en-IN" sz="2400" dirty="0" smtClean="0">
                 <a:hlinkClick r:id="rId2"/>
               </a:rPr>
               <a:t>https://github.com/pridell/PostmanDocs</a:t>
             </a:r>
-            <a:endParaRPr lang="en-IN" sz="2400" smtClean="0"/>
+            <a:endParaRPr lang="en-IN" sz="2400" dirty="0" smtClean="0"/>
           </a:p>
           <a:p>
             <a:pPr>
@@ -3642,6 +3634,597 @@
               <a:buNone/>
             </a:pPr>
             <a:endParaRPr lang="en-IN" sz="2400" dirty="0"/>
+          </a:p>
+        </p:txBody>
+      </p:sp>
+    </p:spTree>
+  </p:cSld>
+  <p:clrMapOvr>
+    <a:masterClrMapping/>
+  </p:clrMapOvr>
+</p:sld>
+</file>
+
+<file path=ppt/slides/slide13.xml><?xml version="1.0" encoding="utf-8"?>
+<p:sld xmlns:a="http://schemas.openxmlformats.org/drawingml/2006/main" xmlns:r="http://schemas.openxmlformats.org/officeDocument/2006/relationships" xmlns:p="http://schemas.openxmlformats.org/presentationml/2006/main">
+  <p:cSld>
+    <p:spTree>
+      <p:nvGrpSpPr>
+        <p:cNvPr id="1" name=""/>
+        <p:cNvGrpSpPr/>
+        <p:nvPr/>
+      </p:nvGrpSpPr>
+      <p:grpSpPr>
+        <a:xfrm>
+          <a:off x="0" y="0"/>
+          <a:ext cx="0" cy="0"/>
+          <a:chOff x="0" y="0"/>
+          <a:chExt cx="0" cy="0"/>
+        </a:xfrm>
+      </p:grpSpPr>
+      <p:sp>
+        <p:nvSpPr>
+          <p:cNvPr id="2" name="Title 1"/>
+          <p:cNvSpPr>
+            <a:spLocks noGrp="1"/>
+          </p:cNvSpPr>
+          <p:nvPr>
+            <p:ph type="title"/>
+          </p:nvPr>
+        </p:nvSpPr>
+        <p:spPr/>
+        <p:txBody>
+          <a:bodyPr/>
+          <a:lstStyle/>
+          <a:p>
+            <a:r>
+              <a:rPr lang="en-US" dirty="0" smtClean="0"/>
+              <a:t>Example</a:t>
+            </a:r>
+            <a:endParaRPr lang="en-IN" dirty="0"/>
+          </a:p>
+        </p:txBody>
+      </p:sp>
+      <p:sp>
+        <p:nvSpPr>
+          <p:cNvPr id="3" name="Content Placeholder 2"/>
+          <p:cNvSpPr>
+            <a:spLocks noGrp="1"/>
+          </p:cNvSpPr>
+          <p:nvPr>
+            <p:ph idx="1"/>
+          </p:nvPr>
+        </p:nvSpPr>
+        <p:spPr>
+          <a:xfrm>
+            <a:off x="467544" y="1628800"/>
+            <a:ext cx="8229600" cy="4525963"/>
+          </a:xfrm>
+        </p:spPr>
+        <p:txBody>
+          <a:bodyPr>
+            <a:normAutofit fontScale="55000" lnSpcReduction="20000"/>
+          </a:bodyPr>
+          <a:lstStyle/>
+          <a:p>
+            <a:pPr>
+              <a:buNone/>
+            </a:pPr>
+            <a:r>
+              <a:rPr lang="en-IN" dirty="0" smtClean="0"/>
+              <a:t>http://&lt;Server&gt;:&lt;port&gt;/person/{ID}?details=address </a:t>
+            </a:r>
+          </a:p>
+          <a:p>
+            <a:endParaRPr lang="en-IN" dirty="0" smtClean="0"/>
+          </a:p>
+          <a:p>
+            <a:pPr>
+              <a:buNone/>
+            </a:pPr>
+            <a:r>
+              <a:rPr lang="en-IN" dirty="0" smtClean="0"/>
+              <a:t>Query </a:t>
+            </a:r>
+            <a:r>
+              <a:rPr lang="en-IN" dirty="0" err="1" smtClean="0"/>
+              <a:t>Param</a:t>
+            </a:r>
+            <a:r>
+              <a:rPr lang="en-IN" dirty="0" smtClean="0"/>
+              <a:t> : After the ? in the </a:t>
+            </a:r>
+            <a:r>
+              <a:rPr lang="en-IN" dirty="0" err="1" smtClean="0"/>
+              <a:t>url</a:t>
+            </a:r>
+            <a:r>
+              <a:rPr lang="en-IN" dirty="0" smtClean="0"/>
+              <a:t> </a:t>
+            </a:r>
+          </a:p>
+          <a:p>
+            <a:endParaRPr lang="en-IN" dirty="0" smtClean="0"/>
+          </a:p>
+          <a:p>
+            <a:pPr>
+              <a:buNone/>
+            </a:pPr>
+            <a:r>
+              <a:rPr lang="en-IN" dirty="0" err="1" smtClean="0"/>
+              <a:t>eg</a:t>
+            </a:r>
+            <a:r>
+              <a:rPr lang="en-IN" dirty="0" smtClean="0"/>
+              <a:t>. ?details=address</a:t>
+            </a:r>
+          </a:p>
+          <a:p>
+            <a:endParaRPr lang="en-IN" dirty="0" smtClean="0"/>
+          </a:p>
+          <a:p>
+            <a:pPr>
+              <a:buNone/>
+            </a:pPr>
+            <a:r>
+              <a:rPr lang="en-IN" dirty="0" smtClean="0"/>
+              <a:t>Query </a:t>
+            </a:r>
+            <a:r>
+              <a:rPr lang="en-IN" dirty="0" err="1" smtClean="0"/>
+              <a:t>Parametr</a:t>
+            </a:r>
+            <a:r>
+              <a:rPr lang="en-IN" dirty="0" smtClean="0"/>
+              <a:t> is detail</a:t>
+            </a:r>
+          </a:p>
+          <a:p>
+            <a:pPr>
+              <a:buNone/>
+            </a:pPr>
+            <a:r>
+              <a:rPr lang="en-IN" dirty="0" smtClean="0"/>
+              <a:t>Value of query </a:t>
+            </a:r>
+            <a:r>
+              <a:rPr lang="en-IN" dirty="0" err="1" smtClean="0"/>
+              <a:t>param</a:t>
+            </a:r>
+            <a:r>
+              <a:rPr lang="en-IN" dirty="0" smtClean="0"/>
+              <a:t> is address </a:t>
+            </a:r>
+          </a:p>
+          <a:p>
+            <a:endParaRPr lang="en-IN" dirty="0" smtClean="0"/>
+          </a:p>
+          <a:p>
+            <a:pPr>
+              <a:buNone/>
+            </a:pPr>
+            <a:r>
+              <a:rPr lang="en-IN" dirty="0" smtClean="0"/>
+              <a:t>------------------------------</a:t>
+            </a:r>
+          </a:p>
+          <a:p>
+            <a:endParaRPr lang="en-IN" dirty="0" smtClean="0"/>
+          </a:p>
+          <a:p>
+            <a:pPr>
+              <a:buNone/>
+            </a:pPr>
+            <a:r>
+              <a:rPr lang="en-IN" dirty="0" smtClean="0"/>
+              <a:t>Path </a:t>
+            </a:r>
+            <a:r>
+              <a:rPr lang="en-IN" dirty="0" err="1" smtClean="0"/>
+              <a:t>param</a:t>
+            </a:r>
+            <a:r>
+              <a:rPr lang="en-IN" dirty="0" smtClean="0"/>
+              <a:t> is before the ? (but not strictly before can be anywhere before the ?)</a:t>
+            </a:r>
+          </a:p>
+          <a:p>
+            <a:endParaRPr lang="en-IN" dirty="0" smtClean="0"/>
+          </a:p>
+          <a:p>
+            <a:pPr>
+              <a:buNone/>
+            </a:pPr>
+            <a:r>
+              <a:rPr lang="en-IN" dirty="0" smtClean="0"/>
+              <a:t>Path </a:t>
+            </a:r>
+            <a:r>
+              <a:rPr lang="en-IN" dirty="0" err="1" smtClean="0"/>
+              <a:t>Param</a:t>
+            </a:r>
+            <a:r>
+              <a:rPr lang="en-IN" dirty="0" smtClean="0"/>
+              <a:t> is ID</a:t>
+            </a:r>
+          </a:p>
+          <a:p>
+            <a:endParaRPr lang="en-IN" dirty="0" smtClean="0"/>
+          </a:p>
+          <a:p>
+            <a:pPr>
+              <a:buNone/>
+            </a:pPr>
+            <a:r>
+              <a:rPr lang="en-IN" dirty="0" smtClean="0"/>
+              <a:t>Value is 123 or 345 </a:t>
+            </a:r>
+            <a:endParaRPr lang="en-IN" dirty="0"/>
+          </a:p>
+        </p:txBody>
+      </p:sp>
+    </p:spTree>
+  </p:cSld>
+  <p:clrMapOvr>
+    <a:masterClrMapping/>
+  </p:clrMapOvr>
+</p:sld>
+</file>
+
+<file path=ppt/slides/slide14.xml><?xml version="1.0" encoding="utf-8"?>
+<p:sld xmlns:a="http://schemas.openxmlformats.org/drawingml/2006/main" xmlns:r="http://schemas.openxmlformats.org/officeDocument/2006/relationships" xmlns:p="http://schemas.openxmlformats.org/presentationml/2006/main">
+  <p:cSld>
+    <p:spTree>
+      <p:nvGrpSpPr>
+        <p:cNvPr id="1" name=""/>
+        <p:cNvGrpSpPr/>
+        <p:nvPr/>
+      </p:nvGrpSpPr>
+      <p:grpSpPr>
+        <a:xfrm>
+          <a:off x="0" y="0"/>
+          <a:ext cx="0" cy="0"/>
+          <a:chOff x="0" y="0"/>
+          <a:chExt cx="0" cy="0"/>
+        </a:xfrm>
+      </p:grpSpPr>
+      <p:sp>
+        <p:nvSpPr>
+          <p:cNvPr id="2" name="Title 1"/>
+          <p:cNvSpPr>
+            <a:spLocks noGrp="1"/>
+          </p:cNvSpPr>
+          <p:nvPr>
+            <p:ph type="title"/>
+          </p:nvPr>
+        </p:nvSpPr>
+        <p:spPr/>
+        <p:txBody>
+          <a:bodyPr/>
+          <a:lstStyle/>
+          <a:p>
+            <a:r>
+              <a:rPr lang="en-US" dirty="0" smtClean="0"/>
+              <a:t>Authentication in Postman</a:t>
+            </a:r>
+            <a:endParaRPr lang="en-IN" dirty="0"/>
+          </a:p>
+        </p:txBody>
+      </p:sp>
+      <p:sp>
+        <p:nvSpPr>
+          <p:cNvPr id="3" name="Content Placeholder 2"/>
+          <p:cNvSpPr>
+            <a:spLocks noGrp="1"/>
+          </p:cNvSpPr>
+          <p:nvPr>
+            <p:ph idx="1"/>
+          </p:nvPr>
+        </p:nvSpPr>
+        <p:spPr/>
+        <p:txBody>
+          <a:bodyPr>
+            <a:normAutofit fontScale="40000" lnSpcReduction="20000"/>
+          </a:bodyPr>
+          <a:lstStyle/>
+          <a:p>
+            <a:r>
+              <a:rPr lang="en-IN" sz="7000" b="1" dirty="0" smtClean="0"/>
+              <a:t>Basic Auth :--</a:t>
+            </a:r>
+          </a:p>
+          <a:p>
+            <a:pPr>
+              <a:buNone/>
+            </a:pPr>
+            <a:endParaRPr lang="en-IN" dirty="0" smtClean="0"/>
+          </a:p>
+          <a:p>
+            <a:pPr>
+              <a:buNone/>
+            </a:pPr>
+            <a:r>
+              <a:rPr lang="en-IN" dirty="0" smtClean="0"/>
+              <a:t>Header name : </a:t>
+            </a:r>
+            <a:r>
+              <a:rPr lang="en-IN" dirty="0" err="1" smtClean="0"/>
+              <a:t>Autherization</a:t>
+            </a:r>
+            <a:endParaRPr lang="en-IN" dirty="0" smtClean="0"/>
+          </a:p>
+          <a:p>
+            <a:endParaRPr lang="en-IN" dirty="0" smtClean="0"/>
+          </a:p>
+          <a:p>
+            <a:pPr>
+              <a:buNone/>
+            </a:pPr>
+            <a:r>
+              <a:rPr lang="en-IN" dirty="0" smtClean="0"/>
+              <a:t>Value of the header : Basic Base64encoding of </a:t>
+            </a:r>
+            <a:r>
+              <a:rPr lang="en-IN" dirty="0" err="1" smtClean="0"/>
+              <a:t>username:password</a:t>
+            </a:r>
+            <a:endParaRPr lang="en-IN" dirty="0" smtClean="0"/>
+          </a:p>
+          <a:p>
+            <a:endParaRPr lang="en-IN" dirty="0" smtClean="0"/>
+          </a:p>
+          <a:p>
+            <a:pPr>
+              <a:buNone/>
+            </a:pPr>
+            <a:r>
+              <a:rPr lang="en-IN" dirty="0" smtClean="0"/>
+              <a:t>username : xyz</a:t>
+            </a:r>
+          </a:p>
+          <a:p>
+            <a:pPr>
+              <a:buNone/>
+            </a:pPr>
+            <a:r>
+              <a:rPr lang="en-IN" dirty="0" smtClean="0"/>
+              <a:t>password : </a:t>
+            </a:r>
+            <a:r>
+              <a:rPr lang="en-IN" dirty="0" err="1" smtClean="0"/>
+              <a:t>abc</a:t>
+            </a:r>
+            <a:endParaRPr lang="en-IN" dirty="0" smtClean="0"/>
+          </a:p>
+          <a:p>
+            <a:endParaRPr lang="en-IN" dirty="0" smtClean="0"/>
+          </a:p>
+          <a:p>
+            <a:pPr>
+              <a:buNone/>
+            </a:pPr>
+            <a:r>
+              <a:rPr lang="en-IN" dirty="0" smtClean="0"/>
+              <a:t>Base64encodes(</a:t>
+            </a:r>
+            <a:r>
+              <a:rPr lang="en-IN" dirty="0" err="1" smtClean="0"/>
+              <a:t>xyz:abc</a:t>
+            </a:r>
+            <a:r>
+              <a:rPr lang="en-IN" dirty="0" smtClean="0"/>
+              <a:t>)</a:t>
+            </a:r>
+          </a:p>
+          <a:p>
+            <a:endParaRPr lang="en-IN" dirty="0" smtClean="0"/>
+          </a:p>
+          <a:p>
+            <a:pPr>
+              <a:buNone/>
+            </a:pPr>
+            <a:endParaRPr lang="en-IN" dirty="0" smtClean="0"/>
+          </a:p>
+          <a:p>
+            <a:endParaRPr lang="en-IN" dirty="0" smtClean="0"/>
+          </a:p>
+          <a:p>
+            <a:r>
+              <a:rPr lang="en-IN" sz="7000" b="1" dirty="0" err="1" smtClean="0"/>
+              <a:t>OAuth</a:t>
+            </a:r>
+            <a:r>
+              <a:rPr lang="en-IN" sz="7000" b="1" dirty="0" smtClean="0"/>
+              <a:t> 2.0</a:t>
+            </a:r>
+          </a:p>
+          <a:p>
+            <a:endParaRPr lang="en-IN" dirty="0" smtClean="0"/>
+          </a:p>
+          <a:p>
+            <a:pPr>
+              <a:buNone/>
+            </a:pPr>
+            <a:r>
+              <a:rPr lang="en-IN" dirty="0" err="1" smtClean="0"/>
+              <a:t>Hedaer</a:t>
+            </a:r>
+            <a:r>
+              <a:rPr lang="en-IN" dirty="0" smtClean="0"/>
+              <a:t> name : Authorization</a:t>
+            </a:r>
+          </a:p>
+          <a:p>
+            <a:endParaRPr lang="en-IN" dirty="0" smtClean="0"/>
+          </a:p>
+          <a:p>
+            <a:pPr>
+              <a:buNone/>
+            </a:pPr>
+            <a:r>
+              <a:rPr lang="en-IN" dirty="0" smtClean="0"/>
+              <a:t>Value of the header : Bearer &lt;Token&gt;</a:t>
+            </a:r>
+          </a:p>
+          <a:p>
+            <a:pPr>
+              <a:buNone/>
+            </a:pPr>
+            <a:endParaRPr lang="en-US" dirty="0" smtClean="0"/>
+          </a:p>
+          <a:p>
+            <a:pPr>
+              <a:buNone/>
+            </a:pPr>
+            <a:r>
+              <a:rPr lang="en-US" dirty="0" smtClean="0"/>
+              <a:t>Please refer document </a:t>
+            </a:r>
+            <a:r>
+              <a:rPr lang="en-US" dirty="0" err="1" smtClean="0"/>
+              <a:t>Autentication</a:t>
+            </a:r>
+            <a:r>
+              <a:rPr lang="en-US" dirty="0" smtClean="0"/>
+              <a:t> in Postman.docx for screen prints.</a:t>
+            </a:r>
+            <a:endParaRPr lang="en-IN" dirty="0"/>
+          </a:p>
+        </p:txBody>
+      </p:sp>
+    </p:spTree>
+  </p:cSld>
+  <p:clrMapOvr>
+    <a:masterClrMapping/>
+  </p:clrMapOvr>
+</p:sld>
+</file>
+
+<file path=ppt/slides/slide15.xml><?xml version="1.0" encoding="utf-8"?>
+<p:sld xmlns:a="http://schemas.openxmlformats.org/drawingml/2006/main" xmlns:r="http://schemas.openxmlformats.org/officeDocument/2006/relationships" xmlns:p="http://schemas.openxmlformats.org/presentationml/2006/main">
+  <p:cSld>
+    <p:spTree>
+      <p:nvGrpSpPr>
+        <p:cNvPr id="1" name=""/>
+        <p:cNvGrpSpPr/>
+        <p:nvPr/>
+      </p:nvGrpSpPr>
+      <p:grpSpPr>
+        <a:xfrm>
+          <a:off x="0" y="0"/>
+          <a:ext cx="0" cy="0"/>
+          <a:chOff x="0" y="0"/>
+          <a:chExt cx="0" cy="0"/>
+        </a:xfrm>
+      </p:grpSpPr>
+      <p:sp>
+        <p:nvSpPr>
+          <p:cNvPr id="2" name="Title 1"/>
+          <p:cNvSpPr>
+            <a:spLocks noGrp="1"/>
+          </p:cNvSpPr>
+          <p:nvPr>
+            <p:ph type="title"/>
+          </p:nvPr>
+        </p:nvSpPr>
+        <p:spPr/>
+        <p:txBody>
+          <a:bodyPr/>
+          <a:lstStyle/>
+          <a:p>
+            <a:r>
+              <a:rPr lang="en-US" dirty="0" smtClean="0"/>
+              <a:t>Monitor Collections</a:t>
+            </a:r>
+            <a:endParaRPr lang="en-IN" dirty="0"/>
+          </a:p>
+        </p:txBody>
+      </p:sp>
+      <p:sp>
+        <p:nvSpPr>
+          <p:cNvPr id="3" name="Content Placeholder 2"/>
+          <p:cNvSpPr>
+            <a:spLocks noGrp="1"/>
+          </p:cNvSpPr>
+          <p:nvPr>
+            <p:ph idx="1"/>
+          </p:nvPr>
+        </p:nvSpPr>
+        <p:spPr/>
+        <p:txBody>
+          <a:bodyPr>
+            <a:normAutofit fontScale="92500" lnSpcReduction="20000"/>
+          </a:bodyPr>
+          <a:lstStyle/>
+          <a:p>
+            <a:r>
+              <a:rPr lang="en-IN" dirty="0" smtClean="0"/>
+              <a:t>Monitor enables </a:t>
+            </a:r>
+            <a:r>
+              <a:rPr lang="en-IN" dirty="0" smtClean="0"/>
+              <a:t>you to run your Collections, a set of API tests, to run periodically through out the day. In short, Monitors allow you to schedule your Tests to runs automatically at defined intervals</a:t>
+            </a:r>
+            <a:r>
+              <a:rPr lang="en-IN" dirty="0" smtClean="0"/>
+              <a:t>.</a:t>
+            </a:r>
+          </a:p>
+          <a:p>
+            <a:r>
+              <a:rPr lang="en-US" dirty="0" smtClean="0"/>
+              <a:t>Please refer document Monitor Collections.docx for screen prints. </a:t>
+            </a:r>
+          </a:p>
+          <a:p>
+            <a:pPr>
+              <a:buNone/>
+            </a:pPr>
+            <a:r>
+              <a:rPr lang="en-US" dirty="0" smtClean="0"/>
+              <a:t>Please refer document Parameters </a:t>
+            </a:r>
+            <a:r>
+              <a:rPr lang="en-US" smtClean="0"/>
+              <a:t>in </a:t>
+            </a:r>
+            <a:r>
+              <a:rPr lang="en-US" smtClean="0"/>
+              <a:t>Monitor Collections.docx</a:t>
+            </a:r>
+            <a:r>
+              <a:rPr lang="en-US" smtClean="0"/>
+              <a:t> </a:t>
+            </a:r>
+            <a:r>
+              <a:rPr lang="en-US" dirty="0" smtClean="0"/>
+              <a:t>for screen prints</a:t>
+            </a:r>
+          </a:p>
+          <a:p>
+            <a:r>
+              <a:rPr lang="en-US" dirty="0" err="1" smtClean="0"/>
+              <a:t>GitHUb</a:t>
+            </a:r>
+            <a:r>
+              <a:rPr lang="en-US" dirty="0" smtClean="0"/>
+              <a:t> Location:</a:t>
+            </a:r>
+          </a:p>
+          <a:p>
+            <a:pPr>
+              <a:buNone/>
+            </a:pPr>
+            <a:r>
+              <a:rPr lang="en-IN" dirty="0" smtClean="0">
+                <a:hlinkClick r:id="rId2"/>
+              </a:rPr>
+              <a:t>https://github.com/pridell/PostmanDocs</a:t>
+            </a:r>
+            <a:endParaRPr lang="en-IN" dirty="0" smtClean="0"/>
+          </a:p>
+          <a:p>
+            <a:endParaRPr lang="en-US" dirty="0" smtClean="0"/>
           </a:p>
         </p:txBody>
       </p:sp>

--- a/API & Web Services Testing Training Postman.pptx
+++ b/API & Web Services Testing Training Postman.pptx
@@ -4182,18 +4182,10 @@
             </a:pPr>
             <a:r>
               <a:rPr lang="en-US" dirty="0" smtClean="0"/>
-              <a:t>Please refer document Parameters </a:t>
-            </a:r>
-            <a:r>
-              <a:rPr lang="en-US" smtClean="0"/>
-              <a:t>in </a:t>
-            </a:r>
-            <a:r>
-              <a:rPr lang="en-US" smtClean="0"/>
-              <a:t>Monitor Collections.docx</a:t>
-            </a:r>
-            <a:r>
-              <a:rPr lang="en-US" smtClean="0"/>
+              <a:t>Please refer document Parameters in Monitor Collections.docx</a:t>
+            </a:r>
+            <a:r>
+              <a:rPr lang="en-US" dirty="0" smtClean="0"/>
               <a:t> </a:t>
             </a:r>
             <a:r>
